--- a/Introduction to Data Visualization with Python.pptx
+++ b/Introduction to Data Visualization with Python.pptx
@@ -6,7 +6,11 @@
   </p:sldMasterIdLst>
   <p:sldIdLst>
     <p:sldId id="256" r:id="rId2"/>
-    <p:sldId id="257" r:id="rId3"/>
+    <p:sldId id="261" r:id="rId3"/>
+    <p:sldId id="257" r:id="rId4"/>
+    <p:sldId id="260" r:id="rId5"/>
+    <p:sldId id="258" r:id="rId6"/>
+    <p:sldId id="259" r:id="rId7"/>
   </p:sldIdLst>
   <p:sldSz cx="12192000" cy="6858000"/>
   <p:notesSz cx="6858000" cy="9144000"/>
@@ -3073,6 +3077,92 @@
           <a:p>
             <a:r>
               <a:rPr lang="en-US" dirty="0" smtClean="0"/>
+              <a:t>Import an EXCEL file</a:t>
+            </a:r>
+            <a:endParaRPr lang="en-US" dirty="0"/>
+          </a:p>
+        </p:txBody>
+      </p:sp>
+      <p:sp>
+        <p:nvSpPr>
+          <p:cNvPr id="3" name="Content Placeholder 2"/>
+          <p:cNvSpPr>
+            <a:spLocks noGrp="1"/>
+          </p:cNvSpPr>
+          <p:nvPr>
+            <p:ph idx="1"/>
+          </p:nvPr>
+        </p:nvSpPr>
+        <p:spPr/>
+        <p:txBody>
+          <a:bodyPr/>
+          <a:lstStyle/>
+          <a:p>
+            <a:r>
+              <a:rPr lang="en-US" dirty="0" smtClean="0"/>
+              <a:t>Install </a:t>
+            </a:r>
+            <a:r>
+              <a:rPr lang="en-US" dirty="0" smtClean="0">
+                <a:solidFill>
+                  <a:srgbClr val="FF0000"/>
+                </a:solidFill>
+              </a:rPr>
+              <a:t>pandas </a:t>
+            </a:r>
+          </a:p>
+          <a:p>
+            <a:endParaRPr lang="en-US" dirty="0"/>
+          </a:p>
+        </p:txBody>
+      </p:sp>
+    </p:spTree>
+    <p:extLst>
+      <p:ext uri="{BB962C8B-B14F-4D97-AF65-F5344CB8AC3E}">
+        <p14:creationId xmlns:p14="http://schemas.microsoft.com/office/powerpoint/2010/main" val="4044899770"/>
+      </p:ext>
+    </p:extLst>
+  </p:cSld>
+  <p:clrMapOvr>
+    <a:masterClrMapping/>
+  </p:clrMapOvr>
+</p:sld>
+</file>
+
+<file path=ppt/slides/slide3.xml><?xml version="1.0" encoding="utf-8"?>
+<p:sld xmlns:a="http://schemas.openxmlformats.org/drawingml/2006/main" xmlns:r="http://schemas.openxmlformats.org/officeDocument/2006/relationships" xmlns:p="http://schemas.openxmlformats.org/presentationml/2006/main">
+  <p:cSld>
+    <p:spTree>
+      <p:nvGrpSpPr>
+        <p:cNvPr id="1" name=""/>
+        <p:cNvGrpSpPr/>
+        <p:nvPr/>
+      </p:nvGrpSpPr>
+      <p:grpSpPr>
+        <a:xfrm>
+          <a:off x="0" y="0"/>
+          <a:ext cx="0" cy="0"/>
+          <a:chOff x="0" y="0"/>
+          <a:chExt cx="0" cy="0"/>
+        </a:xfrm>
+      </p:grpSpPr>
+      <p:sp>
+        <p:nvSpPr>
+          <p:cNvPr id="2" name="Title 1"/>
+          <p:cNvSpPr>
+            <a:spLocks noGrp="1"/>
+          </p:cNvSpPr>
+          <p:nvPr>
+            <p:ph type="title"/>
+          </p:nvPr>
+        </p:nvSpPr>
+        <p:spPr/>
+        <p:txBody>
+          <a:bodyPr/>
+          <a:lstStyle/>
+          <a:p>
+            <a:r>
+              <a:rPr lang="en-US" dirty="0" smtClean="0"/>
               <a:t>Data Cleaning (if needed)</a:t>
             </a:r>
             <a:endParaRPr lang="en-US" dirty="0"/>
@@ -3094,7 +3184,11 @@
           <a:bodyPr/>
           <a:lstStyle/>
           <a:p>
-            <a:endParaRPr lang="en-US"/>
+            <a:r>
+              <a:rPr lang="en-US" dirty="0" smtClean="0"/>
+              <a:t>Removing unnecessary information</a:t>
+            </a:r>
+            <a:endParaRPr lang="en-US" dirty="0"/>
           </a:p>
         </p:txBody>
       </p:sp>
@@ -3102,6 +3196,291 @@
     <p:extLst>
       <p:ext uri="{BB962C8B-B14F-4D97-AF65-F5344CB8AC3E}">
         <p14:creationId xmlns:p14="http://schemas.microsoft.com/office/powerpoint/2010/main" val="1090548359"/>
+      </p:ext>
+    </p:extLst>
+  </p:cSld>
+  <p:clrMapOvr>
+    <a:masterClrMapping/>
+  </p:clrMapOvr>
+</p:sld>
+</file>
+
+<file path=ppt/slides/slide4.xml><?xml version="1.0" encoding="utf-8"?>
+<p:sld xmlns:a="http://schemas.openxmlformats.org/drawingml/2006/main" xmlns:r="http://schemas.openxmlformats.org/officeDocument/2006/relationships" xmlns:p="http://schemas.openxmlformats.org/presentationml/2006/main">
+  <p:cSld>
+    <p:spTree>
+      <p:nvGrpSpPr>
+        <p:cNvPr id="1" name=""/>
+        <p:cNvGrpSpPr/>
+        <p:nvPr/>
+      </p:nvGrpSpPr>
+      <p:grpSpPr>
+        <a:xfrm>
+          <a:off x="0" y="0"/>
+          <a:ext cx="0" cy="0"/>
+          <a:chOff x="0" y="0"/>
+          <a:chExt cx="0" cy="0"/>
+        </a:xfrm>
+      </p:grpSpPr>
+      <p:sp>
+        <p:nvSpPr>
+          <p:cNvPr id="2" name="Title 1"/>
+          <p:cNvSpPr>
+            <a:spLocks noGrp="1"/>
+          </p:cNvSpPr>
+          <p:nvPr>
+            <p:ph type="title"/>
+          </p:nvPr>
+        </p:nvSpPr>
+        <p:spPr/>
+        <p:txBody>
+          <a:bodyPr/>
+          <a:lstStyle/>
+          <a:p>
+            <a:r>
+              <a:rPr lang="en-US" dirty="0" smtClean="0"/>
+              <a:t>Data Visualization tools</a:t>
+            </a:r>
+            <a:endParaRPr lang="en-US" dirty="0"/>
+          </a:p>
+        </p:txBody>
+      </p:sp>
+      <p:sp>
+        <p:nvSpPr>
+          <p:cNvPr id="3" name="Content Placeholder 2"/>
+          <p:cNvSpPr>
+            <a:spLocks noGrp="1"/>
+          </p:cNvSpPr>
+          <p:nvPr>
+            <p:ph idx="1"/>
+          </p:nvPr>
+        </p:nvSpPr>
+        <p:spPr/>
+        <p:txBody>
+          <a:bodyPr>
+            <a:normAutofit lnSpcReduction="10000"/>
+          </a:bodyPr>
+          <a:lstStyle/>
+          <a:p>
+            <a:r>
+              <a:rPr lang="en-US" dirty="0" smtClean="0"/>
+              <a:t>Scatter Plot</a:t>
+            </a:r>
+          </a:p>
+          <a:p>
+            <a:r>
+              <a:rPr lang="en-US" dirty="0" smtClean="0"/>
+              <a:t>Box Plot</a:t>
+            </a:r>
+          </a:p>
+          <a:p>
+            <a:r>
+              <a:rPr lang="en-US" dirty="0" smtClean="0"/>
+              <a:t>Time series analysis</a:t>
+            </a:r>
+          </a:p>
+          <a:p>
+            <a:r>
+              <a:rPr lang="en-US" dirty="0" smtClean="0"/>
+              <a:t>Bar graph</a:t>
+            </a:r>
+          </a:p>
+          <a:p>
+            <a:r>
+              <a:rPr lang="en-US" dirty="0" smtClean="0"/>
+              <a:t>Histogram</a:t>
+            </a:r>
+          </a:p>
+          <a:p>
+            <a:r>
+              <a:rPr lang="en-US" dirty="0" smtClean="0"/>
+              <a:t>Pie chart</a:t>
+            </a:r>
+          </a:p>
+          <a:p>
+            <a:r>
+              <a:rPr lang="en-US" dirty="0" smtClean="0"/>
+              <a:t>Line graph</a:t>
+            </a:r>
+          </a:p>
+          <a:p>
+            <a:r>
+              <a:rPr lang="en-US" dirty="0" smtClean="0"/>
+              <a:t>Dot plot</a:t>
+            </a:r>
+          </a:p>
+          <a:p>
+            <a:r>
+              <a:rPr lang="en-US" dirty="0" smtClean="0"/>
+              <a:t>Stem &amp; Leaf</a:t>
+            </a:r>
+          </a:p>
+        </p:txBody>
+      </p:sp>
+    </p:spTree>
+    <p:extLst>
+      <p:ext uri="{BB962C8B-B14F-4D97-AF65-F5344CB8AC3E}">
+        <p14:creationId xmlns:p14="http://schemas.microsoft.com/office/powerpoint/2010/main" val="407289375"/>
+      </p:ext>
+    </p:extLst>
+  </p:cSld>
+  <p:clrMapOvr>
+    <a:masterClrMapping/>
+  </p:clrMapOvr>
+</p:sld>
+</file>
+
+<file path=ppt/slides/slide5.xml><?xml version="1.0" encoding="utf-8"?>
+<p:sld xmlns:a="http://schemas.openxmlformats.org/drawingml/2006/main" xmlns:r="http://schemas.openxmlformats.org/officeDocument/2006/relationships" xmlns:p="http://schemas.openxmlformats.org/presentationml/2006/main">
+  <p:cSld>
+    <p:spTree>
+      <p:nvGrpSpPr>
+        <p:cNvPr id="1" name=""/>
+        <p:cNvGrpSpPr/>
+        <p:nvPr/>
+      </p:nvGrpSpPr>
+      <p:grpSpPr>
+        <a:xfrm>
+          <a:off x="0" y="0"/>
+          <a:ext cx="0" cy="0"/>
+          <a:chOff x="0" y="0"/>
+          <a:chExt cx="0" cy="0"/>
+        </a:xfrm>
+      </p:grpSpPr>
+      <p:sp>
+        <p:nvSpPr>
+          <p:cNvPr id="2" name="Title 1"/>
+          <p:cNvSpPr>
+            <a:spLocks noGrp="1"/>
+          </p:cNvSpPr>
+          <p:nvPr>
+            <p:ph type="title"/>
+          </p:nvPr>
+        </p:nvSpPr>
+        <p:spPr/>
+        <p:txBody>
+          <a:bodyPr/>
+          <a:lstStyle/>
+          <a:p>
+            <a:r>
+              <a:rPr lang="en-US" dirty="0" smtClean="0"/>
+              <a:t>Scatter plot</a:t>
+            </a:r>
+            <a:endParaRPr lang="en-US" dirty="0"/>
+          </a:p>
+        </p:txBody>
+      </p:sp>
+      <p:sp>
+        <p:nvSpPr>
+          <p:cNvPr id="3" name="Content Placeholder 2"/>
+          <p:cNvSpPr>
+            <a:spLocks noGrp="1"/>
+          </p:cNvSpPr>
+          <p:nvPr>
+            <p:ph idx="1"/>
+          </p:nvPr>
+        </p:nvSpPr>
+        <p:spPr/>
+        <p:txBody>
+          <a:bodyPr/>
+          <a:lstStyle/>
+          <a:p>
+            <a:r>
+              <a:rPr lang="en-US" dirty="0" smtClean="0"/>
+              <a:t>When we need to find the relationship between two variables, we may draw scatter plot</a:t>
+            </a:r>
+          </a:p>
+          <a:p>
+            <a:r>
+              <a:rPr lang="en-US" dirty="0" smtClean="0"/>
+              <a:t>Finding whether the variables are correlated (positive, negative or no correlation)</a:t>
+            </a:r>
+          </a:p>
+          <a:p>
+            <a:r>
+              <a:rPr lang="en-US" dirty="0" smtClean="0"/>
+              <a:t> </a:t>
+            </a:r>
+            <a:endParaRPr lang="en-US" dirty="0"/>
+          </a:p>
+        </p:txBody>
+      </p:sp>
+    </p:spTree>
+    <p:extLst>
+      <p:ext uri="{BB962C8B-B14F-4D97-AF65-F5344CB8AC3E}">
+        <p14:creationId xmlns:p14="http://schemas.microsoft.com/office/powerpoint/2010/main" val="1051312056"/>
+      </p:ext>
+    </p:extLst>
+  </p:cSld>
+  <p:clrMapOvr>
+    <a:masterClrMapping/>
+  </p:clrMapOvr>
+</p:sld>
+</file>
+
+<file path=ppt/slides/slide6.xml><?xml version="1.0" encoding="utf-8"?>
+<p:sld xmlns:a="http://schemas.openxmlformats.org/drawingml/2006/main" xmlns:r="http://schemas.openxmlformats.org/officeDocument/2006/relationships" xmlns:p="http://schemas.openxmlformats.org/presentationml/2006/main">
+  <p:cSld>
+    <p:spTree>
+      <p:nvGrpSpPr>
+        <p:cNvPr id="1" name=""/>
+        <p:cNvGrpSpPr/>
+        <p:nvPr/>
+      </p:nvGrpSpPr>
+      <p:grpSpPr>
+        <a:xfrm>
+          <a:off x="0" y="0"/>
+          <a:ext cx="0" cy="0"/>
+          <a:chOff x="0" y="0"/>
+          <a:chExt cx="0" cy="0"/>
+        </a:xfrm>
+      </p:grpSpPr>
+      <p:sp>
+        <p:nvSpPr>
+          <p:cNvPr id="2" name="Title 1"/>
+          <p:cNvSpPr>
+            <a:spLocks noGrp="1"/>
+          </p:cNvSpPr>
+          <p:nvPr>
+            <p:ph type="title"/>
+          </p:nvPr>
+        </p:nvSpPr>
+        <p:spPr/>
+        <p:txBody>
+          <a:bodyPr/>
+          <a:lstStyle/>
+          <a:p>
+            <a:r>
+              <a:rPr lang="en-US" dirty="0" smtClean="0"/>
+              <a:t>Box Plot</a:t>
+            </a:r>
+            <a:endParaRPr lang="en-US" dirty="0"/>
+          </a:p>
+        </p:txBody>
+      </p:sp>
+      <p:sp>
+        <p:nvSpPr>
+          <p:cNvPr id="3" name="Content Placeholder 2"/>
+          <p:cNvSpPr>
+            <a:spLocks noGrp="1"/>
+          </p:cNvSpPr>
+          <p:nvPr>
+            <p:ph idx="1"/>
+          </p:nvPr>
+        </p:nvSpPr>
+        <p:spPr/>
+        <p:txBody>
+          <a:bodyPr/>
+          <a:lstStyle/>
+          <a:p>
+            <a:endParaRPr lang="en-US"/>
+          </a:p>
+        </p:txBody>
+      </p:sp>
+    </p:spTree>
+    <p:extLst>
+      <p:ext uri="{BB962C8B-B14F-4D97-AF65-F5344CB8AC3E}">
+        <p14:creationId xmlns:p14="http://schemas.microsoft.com/office/powerpoint/2010/main" val="685129901"/>
       </p:ext>
     </p:extLst>
   </p:cSld>

--- a/Introduction to Data Visualization with Python.pptx
+++ b/Introduction to Data Visualization with Python.pptx
@@ -6,11 +6,14 @@
   </p:sldMasterIdLst>
   <p:sldIdLst>
     <p:sldId id="256" r:id="rId2"/>
-    <p:sldId id="261" r:id="rId3"/>
-    <p:sldId id="257" r:id="rId4"/>
-    <p:sldId id="260" r:id="rId5"/>
-    <p:sldId id="258" r:id="rId6"/>
-    <p:sldId id="259" r:id="rId7"/>
+    <p:sldId id="264" r:id="rId3"/>
+    <p:sldId id="261" r:id="rId4"/>
+    <p:sldId id="257" r:id="rId5"/>
+    <p:sldId id="262" r:id="rId6"/>
+    <p:sldId id="260" r:id="rId7"/>
+    <p:sldId id="258" r:id="rId8"/>
+    <p:sldId id="259" r:id="rId9"/>
+    <p:sldId id="263" r:id="rId10"/>
   </p:sldIdLst>
   <p:sldSz cx="12192000" cy="6858000"/>
   <p:notesSz cx="6858000" cy="9144000"/>
@@ -109,6 +112,11 @@
       </a:defRPr>
     </a:lvl9pPr>
   </p:defaultTextStyle>
+  <p:extLst>
+    <p:ext uri="{EFAFB233-063F-42B5-8137-9DF3F51BA10A}">
+      <p15:sldGuideLst xmlns:p15="http://schemas.microsoft.com/office/powerpoint/2012/main"/>
+    </p:ext>
+  </p:extLst>
 </p:presentation>
 </file>
 
@@ -243,7 +251,7 @@
           <a:p>
             <a:fld id="{DF1D55FB-2681-4193-B940-02AA3B96311D}" type="datetimeFigureOut">
               <a:rPr lang="en-US" smtClean="0"/>
-              <a:t>7/19/2018</a:t>
+              <a:t>7/22/2018</a:t>
             </a:fld>
             <a:endParaRPr lang="en-US"/>
           </a:p>
@@ -413,7 +421,7 @@
           <a:p>
             <a:fld id="{DF1D55FB-2681-4193-B940-02AA3B96311D}" type="datetimeFigureOut">
               <a:rPr lang="en-US" smtClean="0"/>
-              <a:t>7/19/2018</a:t>
+              <a:t>7/22/2018</a:t>
             </a:fld>
             <a:endParaRPr lang="en-US"/>
           </a:p>
@@ -593,7 +601,7 @@
           <a:p>
             <a:fld id="{DF1D55FB-2681-4193-B940-02AA3B96311D}" type="datetimeFigureOut">
               <a:rPr lang="en-US" smtClean="0"/>
-              <a:t>7/19/2018</a:t>
+              <a:t>7/22/2018</a:t>
             </a:fld>
             <a:endParaRPr lang="en-US"/>
           </a:p>
@@ -763,7 +771,7 @@
           <a:p>
             <a:fld id="{DF1D55FB-2681-4193-B940-02AA3B96311D}" type="datetimeFigureOut">
               <a:rPr lang="en-US" smtClean="0"/>
-              <a:t>7/19/2018</a:t>
+              <a:t>7/22/2018</a:t>
             </a:fld>
             <a:endParaRPr lang="en-US"/>
           </a:p>
@@ -1009,7 +1017,7 @@
           <a:p>
             <a:fld id="{DF1D55FB-2681-4193-B940-02AA3B96311D}" type="datetimeFigureOut">
               <a:rPr lang="en-US" smtClean="0"/>
-              <a:t>7/19/2018</a:t>
+              <a:t>7/22/2018</a:t>
             </a:fld>
             <a:endParaRPr lang="en-US"/>
           </a:p>
@@ -1241,7 +1249,7 @@
           <a:p>
             <a:fld id="{DF1D55FB-2681-4193-B940-02AA3B96311D}" type="datetimeFigureOut">
               <a:rPr lang="en-US" smtClean="0"/>
-              <a:t>7/19/2018</a:t>
+              <a:t>7/22/2018</a:t>
             </a:fld>
             <a:endParaRPr lang="en-US"/>
           </a:p>
@@ -1608,7 +1616,7 @@
           <a:p>
             <a:fld id="{DF1D55FB-2681-4193-B940-02AA3B96311D}" type="datetimeFigureOut">
               <a:rPr lang="en-US" smtClean="0"/>
-              <a:t>7/19/2018</a:t>
+              <a:t>7/22/2018</a:t>
             </a:fld>
             <a:endParaRPr lang="en-US"/>
           </a:p>
@@ -1726,7 +1734,7 @@
           <a:p>
             <a:fld id="{DF1D55FB-2681-4193-B940-02AA3B96311D}" type="datetimeFigureOut">
               <a:rPr lang="en-US" smtClean="0"/>
-              <a:t>7/19/2018</a:t>
+              <a:t>7/22/2018</a:t>
             </a:fld>
             <a:endParaRPr lang="en-US"/>
           </a:p>
@@ -1821,7 +1829,7 @@
           <a:p>
             <a:fld id="{DF1D55FB-2681-4193-B940-02AA3B96311D}" type="datetimeFigureOut">
               <a:rPr lang="en-US" smtClean="0"/>
-              <a:t>7/19/2018</a:t>
+              <a:t>7/22/2018</a:t>
             </a:fld>
             <a:endParaRPr lang="en-US"/>
           </a:p>
@@ -2098,7 +2106,7 @@
           <a:p>
             <a:fld id="{DF1D55FB-2681-4193-B940-02AA3B96311D}" type="datetimeFigureOut">
               <a:rPr lang="en-US" smtClean="0"/>
-              <a:t>7/19/2018</a:t>
+              <a:t>7/22/2018</a:t>
             </a:fld>
             <a:endParaRPr lang="en-US"/>
           </a:p>
@@ -2351,7 +2359,7 @@
           <a:p>
             <a:fld id="{DF1D55FB-2681-4193-B940-02AA3B96311D}" type="datetimeFigureOut">
               <a:rPr lang="en-US" smtClean="0"/>
-              <a:t>7/19/2018</a:t>
+              <a:t>7/22/2018</a:t>
             </a:fld>
             <a:endParaRPr lang="en-US"/>
           </a:p>
@@ -2416,9 +2424,23 @@
 <p:sldMaster xmlns:a="http://schemas.openxmlformats.org/drawingml/2006/main" xmlns:r="http://schemas.openxmlformats.org/officeDocument/2006/relationships" xmlns:p="http://schemas.openxmlformats.org/presentationml/2006/main">
   <p:cSld>
     <p:bg>
-      <p:bgRef idx="1001">
-        <a:schemeClr val="bg1"/>
-      </p:bgRef>
+      <p:bgPr>
+        <a:gradFill flip="none" rotWithShape="1">
+          <a:gsLst>
+            <a:gs pos="92000">
+              <a:schemeClr val="bg1"/>
+            </a:gs>
+            <a:gs pos="100000">
+              <a:srgbClr val="00B0F0"/>
+            </a:gs>
+          </a:gsLst>
+          <a:path path="rect">
+            <a:fillToRect l="50000" t="50000" r="50000" b="50000"/>
+          </a:path>
+          <a:tileRect/>
+        </a:gradFill>
+        <a:effectLst/>
+      </p:bgPr>
     </p:bg>
     <p:spTree>
       <p:nvGrpSpPr>
@@ -2564,7 +2586,7 @@
           <a:p>
             <a:fld id="{DF1D55FB-2681-4193-B940-02AA3B96311D}" type="datetimeFigureOut">
               <a:rPr lang="en-US" smtClean="0"/>
-              <a:t>7/19/2018</a:t>
+              <a:t>7/22/2018</a:t>
             </a:fld>
             <a:endParaRPr lang="en-US"/>
           </a:p>
@@ -2955,25 +2977,6 @@
 <file path=ppt/slides/slide1.xml><?xml version="1.0" encoding="utf-8"?>
 <p:sld xmlns:a="http://schemas.openxmlformats.org/drawingml/2006/main" xmlns:r="http://schemas.openxmlformats.org/officeDocument/2006/relationships" xmlns:p="http://schemas.openxmlformats.org/presentationml/2006/main">
   <p:cSld>
-    <p:bg>
-      <p:bgPr>
-        <a:gradFill flip="none" rotWithShape="1">
-          <a:gsLst>
-            <a:gs pos="92000">
-              <a:schemeClr val="bg1"/>
-            </a:gs>
-            <a:gs pos="100000">
-              <a:srgbClr val="00B0F0"/>
-            </a:gs>
-          </a:gsLst>
-          <a:path path="rect">
-            <a:fillToRect l="50000" t="50000" r="50000" b="50000"/>
-          </a:path>
-          <a:tileRect/>
-        </a:gradFill>
-        <a:effectLst/>
-      </p:bgPr>
-    </p:bg>
     <p:spTree>
       <p:nvGrpSpPr>
         <p:cNvPr id="1" name=""/>
@@ -3075,51 +3078,94 @@
           <a:bodyPr/>
           <a:lstStyle/>
           <a:p>
-            <a:r>
-              <a:rPr lang="en-US" dirty="0" smtClean="0"/>
-              <a:t>Import an EXCEL file</a:t>
-            </a:r>
-            <a:endParaRPr lang="en-US" dirty="0"/>
-          </a:p>
-        </p:txBody>
-      </p:sp>
-      <p:sp>
-        <p:nvSpPr>
-          <p:cNvPr id="3" name="Content Placeholder 2"/>
-          <p:cNvSpPr>
-            <a:spLocks noGrp="1"/>
-          </p:cNvSpPr>
-          <p:nvPr>
-            <p:ph idx="1"/>
-          </p:nvPr>
-        </p:nvSpPr>
-        <p:spPr/>
-        <p:txBody>
-          <a:bodyPr/>
-          <a:lstStyle/>
-          <a:p>
-            <a:r>
-              <a:rPr lang="en-US" dirty="0" smtClean="0"/>
-              <a:t>Install </a:t>
-            </a:r>
-            <a:r>
-              <a:rPr lang="en-US" dirty="0" smtClean="0">
+            <a:pPr algn="ctr"/>
+            <a:r>
+              <a:rPr lang="en-US" b="1" dirty="0" smtClean="0">
                 <a:solidFill>
-                  <a:srgbClr val="FF0000"/>
+                  <a:srgbClr val="0070C0"/>
                 </a:solidFill>
               </a:rPr>
-              <a:t>pandas </a:t>
-            </a:r>
-          </a:p>
-          <a:p>
-            <a:endParaRPr lang="en-US" dirty="0"/>
+              <a:t>Methodology</a:t>
+            </a:r>
+            <a:endParaRPr lang="en-US" b="1" dirty="0">
+              <a:solidFill>
+                <a:srgbClr val="0070C0"/>
+              </a:solidFill>
+            </a:endParaRPr>
+          </a:p>
+        </p:txBody>
+      </p:sp>
+      <p:sp>
+        <p:nvSpPr>
+          <p:cNvPr id="3" name="Content Placeholder 2"/>
+          <p:cNvSpPr>
+            <a:spLocks noGrp="1"/>
+          </p:cNvSpPr>
+          <p:nvPr>
+            <p:ph idx="1"/>
+          </p:nvPr>
+        </p:nvSpPr>
+        <p:spPr/>
+        <p:txBody>
+          <a:bodyPr>
+            <a:normAutofit/>
+          </a:bodyPr>
+          <a:lstStyle/>
+          <a:p>
+            <a:r>
+              <a:rPr lang="en-US" sz="4000" dirty="0" smtClean="0"/>
+              <a:t>Data Import</a:t>
+            </a:r>
+          </a:p>
+          <a:p>
+            <a:r>
+              <a:rPr lang="en-US" sz="4000" dirty="0" smtClean="0"/>
+              <a:t>Data Preprocessing</a:t>
+            </a:r>
+          </a:p>
+          <a:p>
+            <a:pPr lvl="1"/>
+            <a:r>
+              <a:rPr lang="en-US" sz="3600" dirty="0" smtClean="0"/>
+              <a:t>Cleaning</a:t>
+            </a:r>
+          </a:p>
+          <a:p>
+            <a:pPr lvl="1"/>
+            <a:r>
+              <a:rPr lang="en-US" sz="3600" dirty="0" smtClean="0"/>
+              <a:t>Imputation</a:t>
+            </a:r>
+          </a:p>
+          <a:p>
+            <a:r>
+              <a:rPr lang="en-US" sz="4000" dirty="0" smtClean="0"/>
+              <a:t>Exploratory Data Analysis (EDA)</a:t>
+            </a:r>
+          </a:p>
+          <a:p>
+            <a:pPr lvl="1"/>
+            <a:r>
+              <a:rPr lang="en-US" sz="3600" dirty="0" smtClean="0"/>
+              <a:t>Develop graphical representation</a:t>
+            </a:r>
+          </a:p>
+          <a:p>
+            <a:pPr lvl="1"/>
+            <a:r>
+              <a:rPr lang="en-US" sz="3600" dirty="0" smtClean="0"/>
+              <a:t>Interpret the Data</a:t>
+            </a:r>
+          </a:p>
+          <a:p>
+            <a:endParaRPr lang="en-US" sz="4000" dirty="0"/>
           </a:p>
         </p:txBody>
       </p:sp>
     </p:spTree>
     <p:extLst>
       <p:ext uri="{BB962C8B-B14F-4D97-AF65-F5344CB8AC3E}">
-        <p14:creationId xmlns:p14="http://schemas.microsoft.com/office/powerpoint/2010/main" val="4044899770"/>
+        <p14:creationId xmlns:p14="http://schemas.microsoft.com/office/powerpoint/2010/main" val="2400898146"/>
       </p:ext>
     </p:extLst>
   </p:cSld>
@@ -3163,7 +3209,7 @@
           <a:p>
             <a:r>
               <a:rPr lang="en-US" dirty="0" smtClean="0"/>
-              <a:t>Data Cleaning (if needed)</a:t>
+              <a:t>Import an EXCEL file</a:t>
             </a:r>
             <a:endParaRPr lang="en-US" dirty="0"/>
           </a:p>
@@ -3186,8 +3232,18 @@
           <a:p>
             <a:r>
               <a:rPr lang="en-US" dirty="0" smtClean="0"/>
-              <a:t>Removing unnecessary information</a:t>
-            </a:r>
+              <a:t>Install </a:t>
+            </a:r>
+            <a:r>
+              <a:rPr lang="en-US" dirty="0" smtClean="0">
+                <a:solidFill>
+                  <a:srgbClr val="FF0000"/>
+                </a:solidFill>
+              </a:rPr>
+              <a:t>pandas </a:t>
+            </a:r>
+          </a:p>
+          <a:p>
             <a:endParaRPr lang="en-US" dirty="0"/>
           </a:p>
         </p:txBody>
@@ -3195,7 +3251,7 @@
     </p:spTree>
     <p:extLst>
       <p:ext uri="{BB962C8B-B14F-4D97-AF65-F5344CB8AC3E}">
-        <p14:creationId xmlns:p14="http://schemas.microsoft.com/office/powerpoint/2010/main" val="1090548359"/>
+        <p14:creationId xmlns:p14="http://schemas.microsoft.com/office/powerpoint/2010/main" val="4044899770"/>
       </p:ext>
     </p:extLst>
   </p:cSld>
@@ -3239,7 +3295,7 @@
           <a:p>
             <a:r>
               <a:rPr lang="en-US" dirty="0" smtClean="0"/>
-              <a:t>Data Visualization tools</a:t>
+              <a:t>Data Cleaning (if needed)</a:t>
             </a:r>
             <a:endParaRPr lang="en-US" dirty="0"/>
           </a:p>
@@ -3255,72 +3311,287 @@
             <p:ph idx="1"/>
           </p:nvPr>
         </p:nvSpPr>
-        <p:spPr/>
-        <p:txBody>
-          <a:bodyPr>
-            <a:normAutofit lnSpcReduction="10000"/>
+        <p:spPr>
+          <a:xfrm>
+            <a:off x="838200" y="1825625"/>
+            <a:ext cx="10515600" cy="781097"/>
+          </a:xfrm>
+        </p:spPr>
+        <p:txBody>
+          <a:bodyPr/>
+          <a:lstStyle/>
+          <a:p>
+            <a:r>
+              <a:rPr lang="en-US" dirty="0" smtClean="0"/>
+              <a:t>Removing unnecessary information</a:t>
+            </a:r>
+            <a:endParaRPr lang="en-US" dirty="0"/>
+          </a:p>
+        </p:txBody>
+      </p:sp>
+      <p:sp>
+        <p:nvSpPr>
+          <p:cNvPr id="4" name="Title 1"/>
+          <p:cNvSpPr txBox="1">
+            <a:spLocks/>
+          </p:cNvSpPr>
+          <p:nvPr/>
+        </p:nvSpPr>
+        <p:spPr>
+          <a:xfrm>
+            <a:off x="838200" y="2892235"/>
+            <a:ext cx="10515600" cy="1325563"/>
+          </a:xfrm>
+          <a:prstGeom prst="rect">
+            <a:avLst/>
+          </a:prstGeom>
+        </p:spPr>
+        <p:txBody>
+          <a:bodyPr vert="horz" lIns="91440" tIns="45720" rIns="91440" bIns="45720" rtlCol="0" anchor="ctr">
+            <a:normAutofit/>
           </a:bodyPr>
-          <a:lstStyle/>
+          <a:lstStyle>
+            <a:lvl1pPr algn="l" defTabSz="914400" rtl="0" eaLnBrk="1" latinLnBrk="0" hangingPunct="1">
+              <a:lnSpc>
+                <a:spcPct val="90000"/>
+              </a:lnSpc>
+              <a:spcBef>
+                <a:spcPct val="0"/>
+              </a:spcBef>
+              <a:buNone/>
+              <a:defRPr sz="4400" kern="1200">
+                <a:solidFill>
+                  <a:schemeClr val="tx1"/>
+                </a:solidFill>
+                <a:latin typeface="+mj-lt"/>
+                <a:ea typeface="+mj-ea"/>
+                <a:cs typeface="+mj-cs"/>
+              </a:defRPr>
+            </a:lvl1pPr>
+          </a:lstStyle>
           <a:p>
             <a:r>
               <a:rPr lang="en-US" dirty="0" smtClean="0"/>
-              <a:t>Scatter Plot</a:t>
-            </a:r>
-          </a:p>
-          <a:p>
+              <a:t>Data </a:t>
+            </a:r>
+            <a:r>
+              <a:rPr lang="en-US" i="1" dirty="0" smtClean="0"/>
+              <a:t>Imputation </a:t>
+            </a:r>
             <a:r>
               <a:rPr lang="en-US" dirty="0" smtClean="0"/>
-              <a:t>Box Plot</a:t>
-            </a:r>
-          </a:p>
+              <a:t>(if needed)</a:t>
+            </a:r>
+            <a:endParaRPr lang="en-US" dirty="0"/>
+          </a:p>
+        </p:txBody>
+      </p:sp>
+      <p:sp>
+        <p:nvSpPr>
+          <p:cNvPr id="5" name="Content Placeholder 2"/>
+          <p:cNvSpPr txBox="1">
+            <a:spLocks/>
+          </p:cNvSpPr>
+          <p:nvPr/>
+        </p:nvSpPr>
+        <p:spPr>
+          <a:xfrm>
+            <a:off x="838200" y="4217798"/>
+            <a:ext cx="10515600" cy="781097"/>
+          </a:xfrm>
+          <a:prstGeom prst="rect">
+            <a:avLst/>
+          </a:prstGeom>
+        </p:spPr>
+        <p:txBody>
+          <a:bodyPr vert="horz" lIns="91440" tIns="45720" rIns="91440" bIns="45720" rtlCol="0">
+            <a:normAutofit/>
+          </a:bodyPr>
+          <a:lstStyle>
+            <a:lvl1pPr marL="228600" indent="-228600" algn="l" defTabSz="914400" rtl="0" eaLnBrk="1" latinLnBrk="0" hangingPunct="1">
+              <a:lnSpc>
+                <a:spcPct val="90000"/>
+              </a:lnSpc>
+              <a:spcBef>
+                <a:spcPts val="1000"/>
+              </a:spcBef>
+              <a:buFont typeface="Arial" panose="020B0604020202020204" pitchFamily="34" charset="0"/>
+              <a:buChar char="•"/>
+              <a:defRPr sz="2800" kern="1200">
+                <a:solidFill>
+                  <a:schemeClr val="tx1"/>
+                </a:solidFill>
+                <a:latin typeface="+mn-lt"/>
+                <a:ea typeface="+mn-ea"/>
+                <a:cs typeface="+mn-cs"/>
+              </a:defRPr>
+            </a:lvl1pPr>
+            <a:lvl2pPr marL="685800" indent="-228600" algn="l" defTabSz="914400" rtl="0" eaLnBrk="1" latinLnBrk="0" hangingPunct="1">
+              <a:lnSpc>
+                <a:spcPct val="90000"/>
+              </a:lnSpc>
+              <a:spcBef>
+                <a:spcPts val="500"/>
+              </a:spcBef>
+              <a:buFont typeface="Arial" panose="020B0604020202020204" pitchFamily="34" charset="0"/>
+              <a:buChar char="•"/>
+              <a:defRPr sz="2400" kern="1200">
+                <a:solidFill>
+                  <a:schemeClr val="tx1"/>
+                </a:solidFill>
+                <a:latin typeface="+mn-lt"/>
+                <a:ea typeface="+mn-ea"/>
+                <a:cs typeface="+mn-cs"/>
+              </a:defRPr>
+            </a:lvl2pPr>
+            <a:lvl3pPr marL="1143000" indent="-228600" algn="l" defTabSz="914400" rtl="0" eaLnBrk="1" latinLnBrk="0" hangingPunct="1">
+              <a:lnSpc>
+                <a:spcPct val="90000"/>
+              </a:lnSpc>
+              <a:spcBef>
+                <a:spcPts val="500"/>
+              </a:spcBef>
+              <a:buFont typeface="Arial" panose="020B0604020202020204" pitchFamily="34" charset="0"/>
+              <a:buChar char="•"/>
+              <a:defRPr sz="2000" kern="1200">
+                <a:solidFill>
+                  <a:schemeClr val="tx1"/>
+                </a:solidFill>
+                <a:latin typeface="+mn-lt"/>
+                <a:ea typeface="+mn-ea"/>
+                <a:cs typeface="+mn-cs"/>
+              </a:defRPr>
+            </a:lvl3pPr>
+            <a:lvl4pPr marL="1600200" indent="-228600" algn="l" defTabSz="914400" rtl="0" eaLnBrk="1" latinLnBrk="0" hangingPunct="1">
+              <a:lnSpc>
+                <a:spcPct val="90000"/>
+              </a:lnSpc>
+              <a:spcBef>
+                <a:spcPts val="500"/>
+              </a:spcBef>
+              <a:buFont typeface="Arial" panose="020B0604020202020204" pitchFamily="34" charset="0"/>
+              <a:buChar char="•"/>
+              <a:defRPr sz="1800" kern="1200">
+                <a:solidFill>
+                  <a:schemeClr val="tx1"/>
+                </a:solidFill>
+                <a:latin typeface="+mn-lt"/>
+                <a:ea typeface="+mn-ea"/>
+                <a:cs typeface="+mn-cs"/>
+              </a:defRPr>
+            </a:lvl4pPr>
+            <a:lvl5pPr marL="2057400" indent="-228600" algn="l" defTabSz="914400" rtl="0" eaLnBrk="1" latinLnBrk="0" hangingPunct="1">
+              <a:lnSpc>
+                <a:spcPct val="90000"/>
+              </a:lnSpc>
+              <a:spcBef>
+                <a:spcPts val="500"/>
+              </a:spcBef>
+              <a:buFont typeface="Arial" panose="020B0604020202020204" pitchFamily="34" charset="0"/>
+              <a:buChar char="•"/>
+              <a:defRPr sz="1800" kern="1200">
+                <a:solidFill>
+                  <a:schemeClr val="tx1"/>
+                </a:solidFill>
+                <a:latin typeface="+mn-lt"/>
+                <a:ea typeface="+mn-ea"/>
+                <a:cs typeface="+mn-cs"/>
+              </a:defRPr>
+            </a:lvl5pPr>
+            <a:lvl6pPr marL="2514600" indent="-228600" algn="l" defTabSz="914400" rtl="0" eaLnBrk="1" latinLnBrk="0" hangingPunct="1">
+              <a:lnSpc>
+                <a:spcPct val="90000"/>
+              </a:lnSpc>
+              <a:spcBef>
+                <a:spcPts val="500"/>
+              </a:spcBef>
+              <a:buFont typeface="Arial" panose="020B0604020202020204" pitchFamily="34" charset="0"/>
+              <a:buChar char="•"/>
+              <a:defRPr sz="1800" kern="1200">
+                <a:solidFill>
+                  <a:schemeClr val="tx1"/>
+                </a:solidFill>
+                <a:latin typeface="+mn-lt"/>
+                <a:ea typeface="+mn-ea"/>
+                <a:cs typeface="+mn-cs"/>
+              </a:defRPr>
+            </a:lvl6pPr>
+            <a:lvl7pPr marL="2971800" indent="-228600" algn="l" defTabSz="914400" rtl="0" eaLnBrk="1" latinLnBrk="0" hangingPunct="1">
+              <a:lnSpc>
+                <a:spcPct val="90000"/>
+              </a:lnSpc>
+              <a:spcBef>
+                <a:spcPts val="500"/>
+              </a:spcBef>
+              <a:buFont typeface="Arial" panose="020B0604020202020204" pitchFamily="34" charset="0"/>
+              <a:buChar char="•"/>
+              <a:defRPr sz="1800" kern="1200">
+                <a:solidFill>
+                  <a:schemeClr val="tx1"/>
+                </a:solidFill>
+                <a:latin typeface="+mn-lt"/>
+                <a:ea typeface="+mn-ea"/>
+                <a:cs typeface="+mn-cs"/>
+              </a:defRPr>
+            </a:lvl7pPr>
+            <a:lvl8pPr marL="3429000" indent="-228600" algn="l" defTabSz="914400" rtl="0" eaLnBrk="1" latinLnBrk="0" hangingPunct="1">
+              <a:lnSpc>
+                <a:spcPct val="90000"/>
+              </a:lnSpc>
+              <a:spcBef>
+                <a:spcPts val="500"/>
+              </a:spcBef>
+              <a:buFont typeface="Arial" panose="020B0604020202020204" pitchFamily="34" charset="0"/>
+              <a:buChar char="•"/>
+              <a:defRPr sz="1800" kern="1200">
+                <a:solidFill>
+                  <a:schemeClr val="tx1"/>
+                </a:solidFill>
+                <a:latin typeface="+mn-lt"/>
+                <a:ea typeface="+mn-ea"/>
+                <a:cs typeface="+mn-cs"/>
+              </a:defRPr>
+            </a:lvl8pPr>
+            <a:lvl9pPr marL="3886200" indent="-228600" algn="l" defTabSz="914400" rtl="0" eaLnBrk="1" latinLnBrk="0" hangingPunct="1">
+              <a:lnSpc>
+                <a:spcPct val="90000"/>
+              </a:lnSpc>
+              <a:spcBef>
+                <a:spcPts val="500"/>
+              </a:spcBef>
+              <a:buFont typeface="Arial" panose="020B0604020202020204" pitchFamily="34" charset="0"/>
+              <a:buChar char="•"/>
+              <a:defRPr sz="1800" kern="1200">
+                <a:solidFill>
+                  <a:schemeClr val="tx1"/>
+                </a:solidFill>
+                <a:latin typeface="+mn-lt"/>
+                <a:ea typeface="+mn-ea"/>
+                <a:cs typeface="+mn-cs"/>
+              </a:defRPr>
+            </a:lvl9pPr>
+          </a:lstStyle>
           <a:p>
             <a:r>
               <a:rPr lang="en-US" dirty="0" smtClean="0"/>
-              <a:t>Time series analysis</a:t>
-            </a:r>
-          </a:p>
-          <a:p>
+              <a:t>Handling </a:t>
+            </a:r>
+            <a:r>
+              <a:rPr lang="en-US" dirty="0" err="1" smtClean="0"/>
+              <a:t>NaN</a:t>
+            </a:r>
             <a:r>
               <a:rPr lang="en-US" dirty="0" smtClean="0"/>
-              <a:t>Bar graph</a:t>
-            </a:r>
-          </a:p>
-          <a:p>
-            <a:r>
-              <a:rPr lang="en-US" dirty="0" smtClean="0"/>
-              <a:t>Histogram</a:t>
-            </a:r>
-          </a:p>
-          <a:p>
-            <a:r>
-              <a:rPr lang="en-US" dirty="0" smtClean="0"/>
-              <a:t>Pie chart</a:t>
-            </a:r>
-          </a:p>
-          <a:p>
-            <a:r>
-              <a:rPr lang="en-US" dirty="0" smtClean="0"/>
-              <a:t>Line graph</a:t>
-            </a:r>
-          </a:p>
-          <a:p>
-            <a:r>
-              <a:rPr lang="en-US" dirty="0" smtClean="0"/>
-              <a:t>Dot plot</a:t>
-            </a:r>
-          </a:p>
-          <a:p>
-            <a:r>
-              <a:rPr lang="en-US" dirty="0" smtClean="0"/>
-              <a:t>Stem &amp; Leaf</a:t>
-            </a:r>
+              <a:t> values</a:t>
+            </a:r>
+            <a:endParaRPr lang="en-US" dirty="0"/>
           </a:p>
         </p:txBody>
       </p:sp>
     </p:spTree>
     <p:extLst>
       <p:ext uri="{BB962C8B-B14F-4D97-AF65-F5344CB8AC3E}">
-        <p14:creationId xmlns:p14="http://schemas.microsoft.com/office/powerpoint/2010/main" val="407289375"/>
+        <p14:creationId xmlns:p14="http://schemas.microsoft.com/office/powerpoint/2010/main" val="1090548359"/>
       </p:ext>
     </p:extLst>
   </p:cSld>
@@ -3349,12 +3620,12 @@
       </p:grpSpPr>
       <p:sp>
         <p:nvSpPr>
-          <p:cNvPr id="2" name="Title 1"/>
-          <p:cNvSpPr>
-            <a:spLocks noGrp="1"/>
-          </p:cNvSpPr>
-          <p:nvPr>
-            <p:ph type="title"/>
+          <p:cNvPr id="4" name="Title 3"/>
+          <p:cNvSpPr>
+            <a:spLocks noGrp="1"/>
+          </p:cNvSpPr>
+          <p:nvPr>
+            <p:ph type="ctrTitle"/>
           </p:nvPr>
         </p:nvSpPr>
         <p:spPr/>
@@ -3364,7 +3635,7 @@
           <a:p>
             <a:r>
               <a:rPr lang="en-US" dirty="0" smtClean="0"/>
-              <a:t>Scatter plot</a:t>
+              <a:t>Exploratory Data Analysis</a:t>
             </a:r>
             <a:endParaRPr lang="en-US" dirty="0"/>
           </a:p>
@@ -3372,35 +3643,19 @@
       </p:sp>
       <p:sp>
         <p:nvSpPr>
-          <p:cNvPr id="3" name="Content Placeholder 2"/>
-          <p:cNvSpPr>
-            <a:spLocks noGrp="1"/>
-          </p:cNvSpPr>
-          <p:nvPr>
-            <p:ph idx="1"/>
-          </p:nvPr>
-        </p:nvSpPr>
-        <p:spPr/>
-        <p:txBody>
-          <a:bodyPr/>
-          <a:lstStyle/>
-          <a:p>
-            <a:r>
-              <a:rPr lang="en-US" dirty="0" smtClean="0"/>
-              <a:t>When we need to find the relationship between two variables, we may draw scatter plot</a:t>
-            </a:r>
-          </a:p>
-          <a:p>
-            <a:r>
-              <a:rPr lang="en-US" dirty="0" smtClean="0"/>
-              <a:t>Finding whether the variables are correlated (positive, negative or no correlation)</a:t>
-            </a:r>
-          </a:p>
-          <a:p>
-            <a:r>
-              <a:rPr lang="en-US" dirty="0" smtClean="0"/>
-              <a:t> </a:t>
-            </a:r>
+          <p:cNvPr id="5" name="Subtitle 4"/>
+          <p:cNvSpPr>
+            <a:spLocks noGrp="1"/>
+          </p:cNvSpPr>
+          <p:nvPr>
+            <p:ph type="subTitle" idx="1"/>
+          </p:nvPr>
+        </p:nvSpPr>
+        <p:spPr/>
+        <p:txBody>
+          <a:bodyPr/>
+          <a:lstStyle/>
+          <a:p>
             <a:endParaRPr lang="en-US" dirty="0"/>
           </a:p>
         </p:txBody>
@@ -3408,7 +3663,7 @@
     </p:spTree>
     <p:extLst>
       <p:ext uri="{BB962C8B-B14F-4D97-AF65-F5344CB8AC3E}">
-        <p14:creationId xmlns:p14="http://schemas.microsoft.com/office/powerpoint/2010/main" val="1051312056"/>
+        <p14:creationId xmlns:p14="http://schemas.microsoft.com/office/powerpoint/2010/main" val="658616516"/>
       </p:ext>
     </p:extLst>
   </p:cSld>
@@ -3452,8 +3707,133 @@
           <a:p>
             <a:r>
               <a:rPr lang="en-US" dirty="0" smtClean="0"/>
+              <a:t>Data Visualization tools</a:t>
+            </a:r>
+            <a:endParaRPr lang="en-US" dirty="0"/>
+          </a:p>
+        </p:txBody>
+      </p:sp>
+      <p:sp>
+        <p:nvSpPr>
+          <p:cNvPr id="3" name="Content Placeholder 2"/>
+          <p:cNvSpPr>
+            <a:spLocks noGrp="1"/>
+          </p:cNvSpPr>
+          <p:nvPr>
+            <p:ph idx="1"/>
+          </p:nvPr>
+        </p:nvSpPr>
+        <p:spPr/>
+        <p:txBody>
+          <a:bodyPr>
+            <a:normAutofit lnSpcReduction="10000"/>
+          </a:bodyPr>
+          <a:lstStyle/>
+          <a:p>
+            <a:r>
+              <a:rPr lang="en-US" dirty="0" smtClean="0"/>
+              <a:t>Scatter Plot</a:t>
+            </a:r>
+          </a:p>
+          <a:p>
+            <a:r>
+              <a:rPr lang="en-US" dirty="0" smtClean="0"/>
               <a:t>Box Plot</a:t>
             </a:r>
+          </a:p>
+          <a:p>
+            <a:r>
+              <a:rPr lang="en-US" dirty="0" smtClean="0"/>
+              <a:t>Time series analysis</a:t>
+            </a:r>
+          </a:p>
+          <a:p>
+            <a:r>
+              <a:rPr lang="en-US" dirty="0" smtClean="0"/>
+              <a:t>Bar graph</a:t>
+            </a:r>
+          </a:p>
+          <a:p>
+            <a:r>
+              <a:rPr lang="en-US" dirty="0" smtClean="0"/>
+              <a:t>Histogram</a:t>
+            </a:r>
+          </a:p>
+          <a:p>
+            <a:r>
+              <a:rPr lang="en-US" dirty="0" smtClean="0"/>
+              <a:t>Pie chart</a:t>
+            </a:r>
+          </a:p>
+          <a:p>
+            <a:r>
+              <a:rPr lang="en-US" dirty="0" smtClean="0"/>
+              <a:t>Line graph</a:t>
+            </a:r>
+          </a:p>
+          <a:p>
+            <a:r>
+              <a:rPr lang="en-US" dirty="0" smtClean="0"/>
+              <a:t>Dot plot</a:t>
+            </a:r>
+          </a:p>
+          <a:p>
+            <a:r>
+              <a:rPr lang="en-US" dirty="0" smtClean="0"/>
+              <a:t>Stem &amp; Leaf</a:t>
+            </a:r>
+          </a:p>
+        </p:txBody>
+      </p:sp>
+    </p:spTree>
+    <p:extLst>
+      <p:ext uri="{BB962C8B-B14F-4D97-AF65-F5344CB8AC3E}">
+        <p14:creationId xmlns:p14="http://schemas.microsoft.com/office/powerpoint/2010/main" val="407289375"/>
+      </p:ext>
+    </p:extLst>
+  </p:cSld>
+  <p:clrMapOvr>
+    <a:masterClrMapping/>
+  </p:clrMapOvr>
+</p:sld>
+</file>
+
+<file path=ppt/slides/slide7.xml><?xml version="1.0" encoding="utf-8"?>
+<p:sld xmlns:a="http://schemas.openxmlformats.org/drawingml/2006/main" xmlns:r="http://schemas.openxmlformats.org/officeDocument/2006/relationships" xmlns:p="http://schemas.openxmlformats.org/presentationml/2006/main">
+  <p:cSld>
+    <p:spTree>
+      <p:nvGrpSpPr>
+        <p:cNvPr id="1" name=""/>
+        <p:cNvGrpSpPr/>
+        <p:nvPr/>
+      </p:nvGrpSpPr>
+      <p:grpSpPr>
+        <a:xfrm>
+          <a:off x="0" y="0"/>
+          <a:ext cx="0" cy="0"/>
+          <a:chOff x="0" y="0"/>
+          <a:chExt cx="0" cy="0"/>
+        </a:xfrm>
+      </p:grpSpPr>
+      <p:sp>
+        <p:nvSpPr>
+          <p:cNvPr id="2" name="Title 1"/>
+          <p:cNvSpPr>
+            <a:spLocks noGrp="1"/>
+          </p:cNvSpPr>
+          <p:nvPr>
+            <p:ph type="title"/>
+          </p:nvPr>
+        </p:nvSpPr>
+        <p:spPr/>
+        <p:txBody>
+          <a:bodyPr/>
+          <a:lstStyle/>
+          <a:p>
+            <a:r>
+              <a:rPr lang="en-US" dirty="0" smtClean="0"/>
+              <a:t>Scatter plot</a:t>
+            </a:r>
             <a:endParaRPr lang="en-US" dirty="0"/>
           </a:p>
         </p:txBody>
@@ -3473,7 +3853,98 @@
           <a:bodyPr/>
           <a:lstStyle/>
           <a:p>
-            <a:endParaRPr lang="en-US"/>
+            <a:r>
+              <a:rPr lang="en-US" dirty="0" smtClean="0"/>
+              <a:t>When we need to find the relationship between two variables, we may draw scatter plot</a:t>
+            </a:r>
+          </a:p>
+          <a:p>
+            <a:r>
+              <a:rPr lang="en-US" dirty="0" smtClean="0"/>
+              <a:t>Finding whether the variables are correlated (positive, negative or no correlation)</a:t>
+            </a:r>
+          </a:p>
+          <a:p>
+            <a:pPr marL="0" indent="0">
+              <a:buNone/>
+            </a:pPr>
+            <a:endParaRPr lang="en-US" dirty="0"/>
+          </a:p>
+        </p:txBody>
+      </p:sp>
+    </p:spTree>
+    <p:extLst>
+      <p:ext uri="{BB962C8B-B14F-4D97-AF65-F5344CB8AC3E}">
+        <p14:creationId xmlns:p14="http://schemas.microsoft.com/office/powerpoint/2010/main" val="1051312056"/>
+      </p:ext>
+    </p:extLst>
+  </p:cSld>
+  <p:clrMapOvr>
+    <a:masterClrMapping/>
+  </p:clrMapOvr>
+</p:sld>
+</file>
+
+<file path=ppt/slides/slide8.xml><?xml version="1.0" encoding="utf-8"?>
+<p:sld xmlns:a="http://schemas.openxmlformats.org/drawingml/2006/main" xmlns:r="http://schemas.openxmlformats.org/officeDocument/2006/relationships" xmlns:p="http://schemas.openxmlformats.org/presentationml/2006/main">
+  <p:cSld>
+    <p:spTree>
+      <p:nvGrpSpPr>
+        <p:cNvPr id="1" name=""/>
+        <p:cNvGrpSpPr/>
+        <p:nvPr/>
+      </p:nvGrpSpPr>
+      <p:grpSpPr>
+        <a:xfrm>
+          <a:off x="0" y="0"/>
+          <a:ext cx="0" cy="0"/>
+          <a:chOff x="0" y="0"/>
+          <a:chExt cx="0" cy="0"/>
+        </a:xfrm>
+      </p:grpSpPr>
+      <p:sp>
+        <p:nvSpPr>
+          <p:cNvPr id="2" name="Title 1"/>
+          <p:cNvSpPr>
+            <a:spLocks noGrp="1"/>
+          </p:cNvSpPr>
+          <p:nvPr>
+            <p:ph type="title"/>
+          </p:nvPr>
+        </p:nvSpPr>
+        <p:spPr/>
+        <p:txBody>
+          <a:bodyPr/>
+          <a:lstStyle/>
+          <a:p>
+            <a:r>
+              <a:rPr lang="en-US" dirty="0" smtClean="0"/>
+              <a:t>Box Plot</a:t>
+            </a:r>
+            <a:endParaRPr lang="en-US" dirty="0"/>
+          </a:p>
+        </p:txBody>
+      </p:sp>
+      <p:sp>
+        <p:nvSpPr>
+          <p:cNvPr id="3" name="Content Placeholder 2"/>
+          <p:cNvSpPr>
+            <a:spLocks noGrp="1"/>
+          </p:cNvSpPr>
+          <p:nvPr>
+            <p:ph idx="1"/>
+          </p:nvPr>
+        </p:nvSpPr>
+        <p:spPr/>
+        <p:txBody>
+          <a:bodyPr/>
+          <a:lstStyle/>
+          <a:p>
+            <a:r>
+              <a:rPr lang="en-US" dirty="0" smtClean="0"/>
+              <a:t>Determining the percentiles</a:t>
+            </a:r>
+            <a:endParaRPr lang="en-US" dirty="0"/>
           </a:p>
         </p:txBody>
       </p:sp>
@@ -3481,6 +3952,82 @@
     <p:extLst>
       <p:ext uri="{BB962C8B-B14F-4D97-AF65-F5344CB8AC3E}">
         <p14:creationId xmlns:p14="http://schemas.microsoft.com/office/powerpoint/2010/main" val="685129901"/>
+      </p:ext>
+    </p:extLst>
+  </p:cSld>
+  <p:clrMapOvr>
+    <a:masterClrMapping/>
+  </p:clrMapOvr>
+</p:sld>
+</file>
+
+<file path=ppt/slides/slide9.xml><?xml version="1.0" encoding="utf-8"?>
+<p:sld xmlns:a="http://schemas.openxmlformats.org/drawingml/2006/main" xmlns:r="http://schemas.openxmlformats.org/officeDocument/2006/relationships" xmlns:p="http://schemas.openxmlformats.org/presentationml/2006/main">
+  <p:cSld>
+    <p:spTree>
+      <p:nvGrpSpPr>
+        <p:cNvPr id="1" name=""/>
+        <p:cNvGrpSpPr/>
+        <p:nvPr/>
+      </p:nvGrpSpPr>
+      <p:grpSpPr>
+        <a:xfrm>
+          <a:off x="0" y="0"/>
+          <a:ext cx="0" cy="0"/>
+          <a:chOff x="0" y="0"/>
+          <a:chExt cx="0" cy="0"/>
+        </a:xfrm>
+      </p:grpSpPr>
+      <p:sp>
+        <p:nvSpPr>
+          <p:cNvPr id="2" name="Title 1"/>
+          <p:cNvSpPr>
+            <a:spLocks noGrp="1"/>
+          </p:cNvSpPr>
+          <p:nvPr>
+            <p:ph type="title"/>
+          </p:nvPr>
+        </p:nvSpPr>
+        <p:spPr/>
+        <p:txBody>
+          <a:bodyPr/>
+          <a:lstStyle/>
+          <a:p>
+            <a:r>
+              <a:rPr lang="en-US" dirty="0" smtClean="0"/>
+              <a:t>Bar graph</a:t>
+            </a:r>
+            <a:endParaRPr lang="en-US" dirty="0"/>
+          </a:p>
+        </p:txBody>
+      </p:sp>
+      <p:sp>
+        <p:nvSpPr>
+          <p:cNvPr id="3" name="Content Placeholder 2"/>
+          <p:cNvSpPr>
+            <a:spLocks noGrp="1"/>
+          </p:cNvSpPr>
+          <p:nvPr>
+            <p:ph idx="1"/>
+          </p:nvPr>
+        </p:nvSpPr>
+        <p:spPr/>
+        <p:txBody>
+          <a:bodyPr/>
+          <a:lstStyle/>
+          <a:p>
+            <a:r>
+              <a:rPr lang="en-US" dirty="0" smtClean="0"/>
+              <a:t>30% &amp; 70% marks</a:t>
+            </a:r>
+            <a:endParaRPr lang="en-US" dirty="0"/>
+          </a:p>
+        </p:txBody>
+      </p:sp>
+    </p:spTree>
+    <p:extLst>
+      <p:ext uri="{BB962C8B-B14F-4D97-AF65-F5344CB8AC3E}">
+        <p14:creationId xmlns:p14="http://schemas.microsoft.com/office/powerpoint/2010/main" val="3042302139"/>
       </p:ext>
     </p:extLst>
   </p:cSld>
